--- a/144 - Silvery Star, Precious Star.pptx
+++ b/144 - Silvery Star, Precious Star.pptx
@@ -116,10 +116,6 @@
 </p:presentation>
 </file>
 
-<file path=ppt/revisionInfo.xml><?xml version="1.0" encoding="utf-8"?>
-<p1510:revInfo xmlns:a="http://schemas.openxmlformats.org/drawingml/2006/main" xmlns:r="http://schemas.openxmlformats.org/officeDocument/2006/relationships" xmlns:p1510="http://schemas.microsoft.com/office/powerpoint/2015/10/main"/>
-</file>
-
 <file path=ppt/slideLayouts/slideLayout1.xml><?xml version="1.0" encoding="utf-8"?>
 <p:sldLayout xmlns:a="http://schemas.openxmlformats.org/drawingml/2006/main" xmlns:r="http://schemas.openxmlformats.org/officeDocument/2006/relationships" xmlns:p="http://schemas.openxmlformats.org/presentationml/2006/main" type="title" preserve="1">
   <p:cSld name="Title Slide">
@@ -249,7 +245,7 @@
           <a:p>
             <a:fld id="{32F7251A-AE54-443C-B8FE-5F636E835EBF}" type="datetimeFigureOut">
               <a:rPr lang="en-US" smtClean="0"/>
-              <a:t>12/17/2017</a:t>
+              <a:t>8/9/2020</a:t>
             </a:fld>
             <a:endParaRPr lang="en-US"/>
           </a:p>
@@ -417,7 +413,7 @@
           <a:p>
             <a:fld id="{32F7251A-AE54-443C-B8FE-5F636E835EBF}" type="datetimeFigureOut">
               <a:rPr lang="en-US" smtClean="0"/>
-              <a:t>12/17/2017</a:t>
+              <a:t>8/9/2020</a:t>
             </a:fld>
             <a:endParaRPr lang="en-US"/>
           </a:p>
@@ -595,7 +591,7 @@
           <a:p>
             <a:fld id="{32F7251A-AE54-443C-B8FE-5F636E835EBF}" type="datetimeFigureOut">
               <a:rPr lang="en-US" smtClean="0"/>
-              <a:t>12/17/2017</a:t>
+              <a:t>8/9/2020</a:t>
             </a:fld>
             <a:endParaRPr lang="en-US"/>
           </a:p>
@@ -763,7 +759,7 @@
           <a:p>
             <a:fld id="{32F7251A-AE54-443C-B8FE-5F636E835EBF}" type="datetimeFigureOut">
               <a:rPr lang="en-US" smtClean="0"/>
-              <a:t>12/17/2017</a:t>
+              <a:t>8/9/2020</a:t>
             </a:fld>
             <a:endParaRPr lang="en-US"/>
           </a:p>
@@ -1008,7 +1004,7 @@
           <a:p>
             <a:fld id="{32F7251A-AE54-443C-B8FE-5F636E835EBF}" type="datetimeFigureOut">
               <a:rPr lang="en-US" smtClean="0"/>
-              <a:t>12/17/2017</a:t>
+              <a:t>8/9/2020</a:t>
             </a:fld>
             <a:endParaRPr lang="en-US"/>
           </a:p>
@@ -1237,7 +1233,7 @@
           <a:p>
             <a:fld id="{32F7251A-AE54-443C-B8FE-5F636E835EBF}" type="datetimeFigureOut">
               <a:rPr lang="en-US" smtClean="0"/>
-              <a:t>12/17/2017</a:t>
+              <a:t>8/9/2020</a:t>
             </a:fld>
             <a:endParaRPr lang="en-US"/>
           </a:p>
@@ -1601,7 +1597,7 @@
           <a:p>
             <a:fld id="{32F7251A-AE54-443C-B8FE-5F636E835EBF}" type="datetimeFigureOut">
               <a:rPr lang="en-US" smtClean="0"/>
-              <a:t>12/17/2017</a:t>
+              <a:t>8/9/2020</a:t>
             </a:fld>
             <a:endParaRPr lang="en-US"/>
           </a:p>
@@ -1718,7 +1714,7 @@
           <a:p>
             <a:fld id="{32F7251A-AE54-443C-B8FE-5F636E835EBF}" type="datetimeFigureOut">
               <a:rPr lang="en-US" smtClean="0"/>
-              <a:t>12/17/2017</a:t>
+              <a:t>8/9/2020</a:t>
             </a:fld>
             <a:endParaRPr lang="en-US"/>
           </a:p>
@@ -1813,7 +1809,7 @@
           <a:p>
             <a:fld id="{32F7251A-AE54-443C-B8FE-5F636E835EBF}" type="datetimeFigureOut">
               <a:rPr lang="en-US" smtClean="0"/>
-              <a:t>12/17/2017</a:t>
+              <a:t>8/9/2020</a:t>
             </a:fld>
             <a:endParaRPr lang="en-US"/>
           </a:p>
@@ -2088,7 +2084,7 @@
           <a:p>
             <a:fld id="{32F7251A-AE54-443C-B8FE-5F636E835EBF}" type="datetimeFigureOut">
               <a:rPr lang="en-US" smtClean="0"/>
-              <a:t>12/17/2017</a:t>
+              <a:t>8/9/2020</a:t>
             </a:fld>
             <a:endParaRPr lang="en-US"/>
           </a:p>
@@ -2340,7 +2336,7 @@
           <a:p>
             <a:fld id="{32F7251A-AE54-443C-B8FE-5F636E835EBF}" type="datetimeFigureOut">
               <a:rPr lang="en-US" smtClean="0"/>
-              <a:t>12/17/2017</a:t>
+              <a:t>8/9/2020</a:t>
             </a:fld>
             <a:endParaRPr lang="en-US"/>
           </a:p>
@@ -2407,7 +2403,9 @@
     <p:bg>
       <p:bgPr>
         <a:solidFill>
-          <a:srgbClr val="333333"/>
+          <a:schemeClr val="bg1">
+            <a:lumMod val="10000"/>
+          </a:schemeClr>
         </a:solidFill>
         <a:effectLst/>
       </p:bgPr>
@@ -2554,7 +2552,7 @@
           <a:p>
             <a:fld id="{32F7251A-AE54-443C-B8FE-5F636E835EBF}" type="datetimeFigureOut">
               <a:rPr lang="en-US" smtClean="0"/>
-              <a:t>12/17/2017</a:t>
+              <a:t>8/9/2020</a:t>
             </a:fld>
             <a:endParaRPr lang="en-US"/>
           </a:p>
@@ -3024,8 +3022,8 @@
         </p:nvSpPr>
         <p:spPr>
           <a:xfrm>
-            <a:off x="0" y="5804209"/>
-            <a:ext cx="12192000" cy="830997"/>
+            <a:off x="0" y="5927320"/>
+            <a:ext cx="12192000" cy="584775"/>
           </a:xfrm>
           <a:prstGeom prst="rect">
             <a:avLst/>
@@ -3040,10 +3038,12 @@
           <a:p>
             <a:pPr algn="ctr"/>
             <a:r>
-              <a:rPr lang="en-US" sz="4800" dirty="0">
-                <a:solidFill>
-                  <a:schemeClr val="bg1"/>
-                </a:solidFill>
+              <a:rPr lang="en-US" sz="3200" u="sng" dirty="0">
+                <a:solidFill>
+                  <a:schemeClr val="bg1"/>
+                </a:solidFill>
+                <a:latin typeface="Assistant SemiBold" panose="00000700000000000000" pitchFamily="2" charset="-79"/>
+                <a:cs typeface="Assistant SemiBold" panose="00000700000000000000" pitchFamily="2" charset="-79"/>
               </a:rPr>
               <a:t>“Silvery Star, Precious Star” </a:t>
             </a:r>
@@ -3058,8 +3058,8 @@
         </p:nvSpPr>
         <p:spPr>
           <a:xfrm>
-            <a:off x="0" y="361175"/>
-            <a:ext cx="12192000" cy="5078313"/>
+            <a:off x="0" y="729571"/>
+            <a:ext cx="12192000" cy="3970318"/>
           </a:xfrm>
           <a:prstGeom prst="rect">
             <a:avLst/>
@@ -3074,10 +3074,12 @@
           <a:p>
             <a:pPr algn="ctr"/>
             <a:r>
-              <a:rPr lang="en-US" sz="3600" dirty="0">
-                <a:solidFill>
-                  <a:schemeClr val="bg1"/>
-                </a:solidFill>
+              <a:rPr lang="en-US" sz="2800" spc="50" dirty="0">
+                <a:solidFill>
+                  <a:schemeClr val="bg1"/>
+                </a:solidFill>
+                <a:latin typeface="Assistant" panose="00000500000000000000" pitchFamily="2" charset="-79"/>
+                <a:cs typeface="Assistant" panose="00000500000000000000" pitchFamily="2" charset="-79"/>
               </a:rPr>
               <a:t>Silvery star, precious star,</a:t>
             </a:r>
@@ -3085,10 +3087,12 @@
           <a:p>
             <a:pPr algn="ctr"/>
             <a:r>
-              <a:rPr lang="en-US" sz="3600" dirty="0">
-                <a:solidFill>
-                  <a:schemeClr val="bg1"/>
-                </a:solidFill>
+              <a:rPr lang="en-US" sz="2800" spc="50" dirty="0">
+                <a:solidFill>
+                  <a:schemeClr val="bg1"/>
+                </a:solidFill>
+                <a:latin typeface="Assistant" panose="00000500000000000000" pitchFamily="2" charset="-79"/>
+                <a:cs typeface="Assistant" panose="00000500000000000000" pitchFamily="2" charset="-79"/>
               </a:rPr>
               <a:t>Shining over Bethlehem,</a:t>
             </a:r>
@@ -3096,10 +3100,12 @@
           <a:p>
             <a:pPr algn="ctr"/>
             <a:r>
-              <a:rPr lang="en-US" sz="3600" dirty="0">
-                <a:solidFill>
-                  <a:schemeClr val="bg1"/>
-                </a:solidFill>
+              <a:rPr lang="en-US" sz="2800" spc="50" dirty="0">
+                <a:solidFill>
+                  <a:schemeClr val="bg1"/>
+                </a:solidFill>
+                <a:latin typeface="Assistant" panose="00000500000000000000" pitchFamily="2" charset="-79"/>
+                <a:cs typeface="Assistant" panose="00000500000000000000" pitchFamily="2" charset="-79"/>
               </a:rPr>
               <a:t>Guiding wise men from afar,</a:t>
             </a:r>
@@ -3107,29 +3113,35 @@
           <a:p>
             <a:pPr algn="ctr"/>
             <a:r>
-              <a:rPr lang="en-US" sz="3600" dirty="0">
-                <a:solidFill>
-                  <a:schemeClr val="bg1"/>
-                </a:solidFill>
+              <a:rPr lang="en-US" sz="2800" spc="50" dirty="0">
+                <a:solidFill>
+                  <a:schemeClr val="bg1"/>
+                </a:solidFill>
+                <a:latin typeface="Assistant" panose="00000500000000000000" pitchFamily="2" charset="-79"/>
+                <a:cs typeface="Assistant" panose="00000500000000000000" pitchFamily="2" charset="-79"/>
               </a:rPr>
               <a:t>In the still night leading them.</a:t>
             </a:r>
           </a:p>
           <a:p>
             <a:pPr algn="ctr"/>
-            <a:endParaRPr lang="en-US" sz="3600" dirty="0">
+            <a:endParaRPr lang="en-US" sz="2800" spc="50" dirty="0">
               <a:solidFill>
                 <a:schemeClr val="bg1"/>
               </a:solidFill>
+              <a:latin typeface="Assistant" panose="00000500000000000000" pitchFamily="2" charset="-79"/>
+              <a:cs typeface="Assistant" panose="00000500000000000000" pitchFamily="2" charset="-79"/>
             </a:endParaRPr>
           </a:p>
           <a:p>
             <a:pPr algn="ctr"/>
             <a:r>
-              <a:rPr lang="en-US" sz="3600" dirty="0">
-                <a:solidFill>
-                  <a:schemeClr val="bg1"/>
-                </a:solidFill>
+              <a:rPr lang="en-US" sz="2800" spc="50" dirty="0">
+                <a:solidFill>
+                  <a:schemeClr val="bg1"/>
+                </a:solidFill>
+                <a:latin typeface="Assistant" panose="00000500000000000000" pitchFamily="2" charset="-79"/>
+                <a:cs typeface="Assistant" panose="00000500000000000000" pitchFamily="2" charset="-79"/>
               </a:rPr>
               <a:t>Starlight and song</a:t>
             </a:r>
@@ -3137,10 +3149,12 @@
           <a:p>
             <a:pPr algn="ctr"/>
             <a:r>
-              <a:rPr lang="en-US" sz="3600" dirty="0">
-                <a:solidFill>
-                  <a:schemeClr val="bg1"/>
-                </a:solidFill>
+              <a:rPr lang="en-US" sz="2800" spc="50" dirty="0">
+                <a:solidFill>
+                  <a:schemeClr val="bg1"/>
+                </a:solidFill>
+                <a:latin typeface="Assistant" panose="00000500000000000000" pitchFamily="2" charset="-79"/>
+                <a:cs typeface="Assistant" panose="00000500000000000000" pitchFamily="2" charset="-79"/>
               </a:rPr>
               <a:t>All the night long,</a:t>
             </a:r>
@@ -3148,10 +3162,12 @@
           <a:p>
             <a:pPr algn="ctr"/>
             <a:r>
-              <a:rPr lang="en-US" sz="3600" dirty="0">
-                <a:solidFill>
-                  <a:schemeClr val="bg1"/>
-                </a:solidFill>
+              <a:rPr lang="en-US" sz="2800" spc="50" dirty="0">
+                <a:solidFill>
+                  <a:schemeClr val="bg1"/>
+                </a:solidFill>
+                <a:latin typeface="Assistant" panose="00000500000000000000" pitchFamily="2" charset="-79"/>
+                <a:cs typeface="Assistant" panose="00000500000000000000" pitchFamily="2" charset="-79"/>
               </a:rPr>
               <a:t>Heralds of morn;</a:t>
             </a:r>
@@ -3159,10 +3175,12 @@
           <a:p>
             <a:pPr algn="ctr"/>
             <a:r>
-              <a:rPr lang="en-US" sz="3600" dirty="0">
-                <a:solidFill>
-                  <a:schemeClr val="bg1"/>
-                </a:solidFill>
+              <a:rPr lang="en-US" sz="2800" spc="50" dirty="0">
+                <a:solidFill>
+                  <a:schemeClr val="bg1"/>
+                </a:solidFill>
+                <a:latin typeface="Assistant" panose="00000500000000000000" pitchFamily="2" charset="-79"/>
+                <a:cs typeface="Assistant" panose="00000500000000000000" pitchFamily="2" charset="-79"/>
               </a:rPr>
               <a:t>Jesus is born.</a:t>
             </a:r>
@@ -3264,8 +3282,8 @@
         </p:nvSpPr>
         <p:spPr>
           <a:xfrm>
-            <a:off x="0" y="5804209"/>
-            <a:ext cx="12192000" cy="830997"/>
+            <a:off x="0" y="5927320"/>
+            <a:ext cx="12192000" cy="584775"/>
           </a:xfrm>
           <a:prstGeom prst="rect">
             <a:avLst/>
@@ -3280,10 +3298,12 @@
           <a:p>
             <a:pPr algn="ctr"/>
             <a:r>
-              <a:rPr lang="en-US" sz="4800" dirty="0">
-                <a:solidFill>
-                  <a:schemeClr val="bg1"/>
-                </a:solidFill>
+              <a:rPr lang="en-US" sz="3200" u="sng" dirty="0">
+                <a:solidFill>
+                  <a:schemeClr val="bg1"/>
+                </a:solidFill>
+                <a:latin typeface="Assistant SemiBold" panose="00000700000000000000" pitchFamily="2" charset="-79"/>
+                <a:cs typeface="Assistant SemiBold" panose="00000700000000000000" pitchFamily="2" charset="-79"/>
               </a:rPr>
               <a:t>“Silvery Star, Precious Star” </a:t>
             </a:r>
@@ -3298,8 +3318,8 @@
         </p:nvSpPr>
         <p:spPr>
           <a:xfrm>
-            <a:off x="0" y="361175"/>
-            <a:ext cx="12192000" cy="5078313"/>
+            <a:off x="0" y="729571"/>
+            <a:ext cx="12192000" cy="3970318"/>
           </a:xfrm>
           <a:prstGeom prst="rect">
             <a:avLst/>
@@ -3314,10 +3334,12 @@
           <a:p>
             <a:pPr algn="ctr"/>
             <a:r>
-              <a:rPr lang="en-US" sz="3600" dirty="0">
-                <a:solidFill>
-                  <a:schemeClr val="bg1"/>
-                </a:solidFill>
+              <a:rPr lang="en-US" sz="2800" spc="50" dirty="0">
+                <a:solidFill>
+                  <a:schemeClr val="bg1"/>
+                </a:solidFill>
+                <a:latin typeface="Assistant" panose="00000500000000000000" pitchFamily="2" charset="-79"/>
+                <a:cs typeface="Assistant" panose="00000500000000000000" pitchFamily="2" charset="-79"/>
               </a:rPr>
               <a:t>Beautiful song, wondrous song</a:t>
             </a:r>
@@ -3325,10 +3347,12 @@
           <a:p>
             <a:pPr algn="ctr"/>
             <a:r>
-              <a:rPr lang="en-US" sz="3600" dirty="0">
-                <a:solidFill>
-                  <a:schemeClr val="bg1"/>
-                </a:solidFill>
+              <a:rPr lang="en-US" sz="2800" spc="50" dirty="0">
+                <a:solidFill>
+                  <a:schemeClr val="bg1"/>
+                </a:solidFill>
+                <a:latin typeface="Assistant" panose="00000500000000000000" pitchFamily="2" charset="-79"/>
+                <a:cs typeface="Assistant" panose="00000500000000000000" pitchFamily="2" charset="-79"/>
               </a:rPr>
               <a:t>Kneeling shepherds wept to hear,</a:t>
             </a:r>
@@ -3336,10 +3360,12 @@
           <a:p>
             <a:pPr algn="ctr"/>
             <a:r>
-              <a:rPr lang="en-US" sz="3600" dirty="0">
-                <a:solidFill>
-                  <a:schemeClr val="bg1"/>
-                </a:solidFill>
+              <a:rPr lang="en-US" sz="2800" spc="50" dirty="0">
+                <a:solidFill>
+                  <a:schemeClr val="bg1"/>
+                </a:solidFill>
+                <a:latin typeface="Assistant" panose="00000500000000000000" pitchFamily="2" charset="-79"/>
+                <a:cs typeface="Assistant" panose="00000500000000000000" pitchFamily="2" charset="-79"/>
               </a:rPr>
               <a:t>Chanted by God’s holy throng,</a:t>
             </a:r>
@@ -3347,29 +3373,35 @@
           <a:p>
             <a:pPr algn="ctr"/>
             <a:r>
-              <a:rPr lang="en-US" sz="3600" dirty="0">
-                <a:solidFill>
-                  <a:schemeClr val="bg1"/>
-                </a:solidFill>
+              <a:rPr lang="en-US" sz="2800" spc="50" dirty="0">
+                <a:solidFill>
+                  <a:schemeClr val="bg1"/>
+                </a:solidFill>
+                <a:latin typeface="Assistant" panose="00000500000000000000" pitchFamily="2" charset="-79"/>
+                <a:cs typeface="Assistant" panose="00000500000000000000" pitchFamily="2" charset="-79"/>
               </a:rPr>
               <a:t>Singing peace and joy and cheer.</a:t>
             </a:r>
           </a:p>
           <a:p>
             <a:pPr algn="ctr"/>
-            <a:endParaRPr lang="en-US" sz="3600" dirty="0">
+            <a:endParaRPr lang="en-US" sz="2800" spc="50" dirty="0">
               <a:solidFill>
                 <a:schemeClr val="bg1"/>
               </a:solidFill>
+              <a:latin typeface="Assistant" panose="00000500000000000000" pitchFamily="2" charset="-79"/>
+              <a:cs typeface="Assistant" panose="00000500000000000000" pitchFamily="2" charset="-79"/>
             </a:endParaRPr>
           </a:p>
           <a:p>
             <a:pPr algn="ctr"/>
             <a:r>
-              <a:rPr lang="en-US" sz="3600" dirty="0">
-                <a:solidFill>
-                  <a:schemeClr val="bg1"/>
-                </a:solidFill>
+              <a:rPr lang="en-US" sz="2800" spc="50" dirty="0">
+                <a:solidFill>
+                  <a:schemeClr val="bg1"/>
+                </a:solidFill>
+                <a:latin typeface="Assistant" panose="00000500000000000000" pitchFamily="2" charset="-79"/>
+                <a:cs typeface="Assistant" panose="00000500000000000000" pitchFamily="2" charset="-79"/>
               </a:rPr>
               <a:t>Starlight and song</a:t>
             </a:r>
@@ -3377,10 +3409,12 @@
           <a:p>
             <a:pPr algn="ctr"/>
             <a:r>
-              <a:rPr lang="en-US" sz="3600" dirty="0">
-                <a:solidFill>
-                  <a:schemeClr val="bg1"/>
-                </a:solidFill>
+              <a:rPr lang="en-US" sz="2800" spc="50" dirty="0">
+                <a:solidFill>
+                  <a:schemeClr val="bg1"/>
+                </a:solidFill>
+                <a:latin typeface="Assistant" panose="00000500000000000000" pitchFamily="2" charset="-79"/>
+                <a:cs typeface="Assistant" panose="00000500000000000000" pitchFamily="2" charset="-79"/>
               </a:rPr>
               <a:t>All the night long,</a:t>
             </a:r>
@@ -3388,10 +3422,12 @@
           <a:p>
             <a:pPr algn="ctr"/>
             <a:r>
-              <a:rPr lang="en-US" sz="3600" dirty="0">
-                <a:solidFill>
-                  <a:schemeClr val="bg1"/>
-                </a:solidFill>
+              <a:rPr lang="en-US" sz="2800" spc="50" dirty="0">
+                <a:solidFill>
+                  <a:schemeClr val="bg1"/>
+                </a:solidFill>
+                <a:latin typeface="Assistant" panose="00000500000000000000" pitchFamily="2" charset="-79"/>
+                <a:cs typeface="Assistant" panose="00000500000000000000" pitchFamily="2" charset="-79"/>
               </a:rPr>
               <a:t>Heralds of morn;</a:t>
             </a:r>
@@ -3399,10 +3435,12 @@
           <a:p>
             <a:pPr algn="ctr"/>
             <a:r>
-              <a:rPr lang="en-US" sz="3600" dirty="0">
-                <a:solidFill>
-                  <a:schemeClr val="bg1"/>
-                </a:solidFill>
+              <a:rPr lang="en-US" sz="2800" spc="50" dirty="0">
+                <a:solidFill>
+                  <a:schemeClr val="bg1"/>
+                </a:solidFill>
+                <a:latin typeface="Assistant" panose="00000500000000000000" pitchFamily="2" charset="-79"/>
+                <a:cs typeface="Assistant" panose="00000500000000000000" pitchFamily="2" charset="-79"/>
               </a:rPr>
               <a:t>Jesus is born.</a:t>
             </a:r>
@@ -3504,8 +3542,8 @@
         </p:nvSpPr>
         <p:spPr>
           <a:xfrm>
-            <a:off x="0" y="5804209"/>
-            <a:ext cx="12192000" cy="830997"/>
+            <a:off x="0" y="5927320"/>
+            <a:ext cx="12192000" cy="584775"/>
           </a:xfrm>
           <a:prstGeom prst="rect">
             <a:avLst/>
@@ -3520,10 +3558,12 @@
           <a:p>
             <a:pPr algn="ctr"/>
             <a:r>
-              <a:rPr lang="en-US" sz="4800" dirty="0">
-                <a:solidFill>
-                  <a:schemeClr val="bg1"/>
-                </a:solidFill>
+              <a:rPr lang="en-US" sz="3200" u="sng" dirty="0">
+                <a:solidFill>
+                  <a:schemeClr val="bg1"/>
+                </a:solidFill>
+                <a:latin typeface="Assistant SemiBold" panose="00000700000000000000" pitchFamily="2" charset="-79"/>
+                <a:cs typeface="Assistant SemiBold" panose="00000700000000000000" pitchFamily="2" charset="-79"/>
               </a:rPr>
               <a:t>“Silvery Star, Precious Star” </a:t>
             </a:r>
@@ -3538,8 +3578,8 @@
         </p:nvSpPr>
         <p:spPr>
           <a:xfrm>
-            <a:off x="0" y="361175"/>
-            <a:ext cx="12192000" cy="5078313"/>
+            <a:off x="0" y="729571"/>
+            <a:ext cx="12192000" cy="3970318"/>
           </a:xfrm>
           <a:prstGeom prst="rect">
             <a:avLst/>
@@ -3554,10 +3594,12 @@
           <a:p>
             <a:pPr algn="ctr"/>
             <a:r>
-              <a:rPr lang="en-US" sz="3600" dirty="0">
-                <a:solidFill>
-                  <a:schemeClr val="bg1"/>
-                </a:solidFill>
+              <a:rPr lang="en-US" sz="2800" spc="50" dirty="0">
+                <a:solidFill>
+                  <a:schemeClr val="bg1"/>
+                </a:solidFill>
+                <a:latin typeface="Assistant" panose="00000500000000000000" pitchFamily="2" charset="-79"/>
+                <a:cs typeface="Assistant" panose="00000500000000000000" pitchFamily="2" charset="-79"/>
               </a:rPr>
               <a:t>Baby Savior, born at night</a:t>
             </a:r>
@@ -3565,10 +3607,12 @@
           <a:p>
             <a:pPr algn="ctr"/>
             <a:r>
-              <a:rPr lang="en-US" sz="3600" dirty="0">
-                <a:solidFill>
-                  <a:schemeClr val="bg1"/>
-                </a:solidFill>
+              <a:rPr lang="en-US" sz="2800" spc="50" dirty="0">
+                <a:solidFill>
+                  <a:schemeClr val="bg1"/>
+                </a:solidFill>
+                <a:latin typeface="Assistant" panose="00000500000000000000" pitchFamily="2" charset="-79"/>
+                <a:cs typeface="Assistant" panose="00000500000000000000" pitchFamily="2" charset="-79"/>
               </a:rPr>
               <a:t>In the ages long ago,</a:t>
             </a:r>
@@ -3576,10 +3620,12 @@
           <a:p>
             <a:pPr algn="ctr"/>
             <a:r>
-              <a:rPr lang="en-US" sz="3600" dirty="0">
-                <a:solidFill>
-                  <a:schemeClr val="bg1"/>
-                </a:solidFill>
+              <a:rPr lang="en-US" sz="2800" spc="50" dirty="0">
+                <a:solidFill>
+                  <a:schemeClr val="bg1"/>
+                </a:solidFill>
+                <a:latin typeface="Assistant" panose="00000500000000000000" pitchFamily="2" charset="-79"/>
+                <a:cs typeface="Assistant" panose="00000500000000000000" pitchFamily="2" charset="-79"/>
               </a:rPr>
               <a:t>Angels sang and stars gave light</a:t>
             </a:r>
@@ -3587,29 +3633,35 @@
           <a:p>
             <a:pPr algn="ctr"/>
             <a:r>
-              <a:rPr lang="en-US" sz="3600" dirty="0">
-                <a:solidFill>
-                  <a:schemeClr val="bg1"/>
-                </a:solidFill>
+              <a:rPr lang="en-US" sz="2800" spc="50" dirty="0">
+                <a:solidFill>
+                  <a:schemeClr val="bg1"/>
+                </a:solidFill>
+                <a:latin typeface="Assistant" panose="00000500000000000000" pitchFamily="2" charset="-79"/>
+                <a:cs typeface="Assistant" panose="00000500000000000000" pitchFamily="2" charset="-79"/>
               </a:rPr>
               <a:t>For Thy humble home below.</a:t>
             </a:r>
           </a:p>
           <a:p>
             <a:pPr algn="ctr"/>
-            <a:endParaRPr lang="en-US" sz="3600" dirty="0">
+            <a:endParaRPr lang="en-US" sz="2800" spc="50" dirty="0">
               <a:solidFill>
                 <a:schemeClr val="bg1"/>
               </a:solidFill>
+              <a:latin typeface="Assistant" panose="00000500000000000000" pitchFamily="2" charset="-79"/>
+              <a:cs typeface="Assistant" panose="00000500000000000000" pitchFamily="2" charset="-79"/>
             </a:endParaRPr>
           </a:p>
           <a:p>
             <a:pPr algn="ctr"/>
             <a:r>
-              <a:rPr lang="en-US" sz="3600" dirty="0">
-                <a:solidFill>
-                  <a:schemeClr val="bg1"/>
-                </a:solidFill>
+              <a:rPr lang="en-US" sz="2800" spc="50" dirty="0">
+                <a:solidFill>
+                  <a:schemeClr val="bg1"/>
+                </a:solidFill>
+                <a:latin typeface="Assistant" panose="00000500000000000000" pitchFamily="2" charset="-79"/>
+                <a:cs typeface="Assistant" panose="00000500000000000000" pitchFamily="2" charset="-79"/>
               </a:rPr>
               <a:t>Starlight and song</a:t>
             </a:r>
@@ -3617,10 +3669,12 @@
           <a:p>
             <a:pPr algn="ctr"/>
             <a:r>
-              <a:rPr lang="en-US" sz="3600" dirty="0">
-                <a:solidFill>
-                  <a:schemeClr val="bg1"/>
-                </a:solidFill>
+              <a:rPr lang="en-US" sz="2800" spc="50" dirty="0">
+                <a:solidFill>
+                  <a:schemeClr val="bg1"/>
+                </a:solidFill>
+                <a:latin typeface="Assistant" panose="00000500000000000000" pitchFamily="2" charset="-79"/>
+                <a:cs typeface="Assistant" panose="00000500000000000000" pitchFamily="2" charset="-79"/>
               </a:rPr>
               <a:t>All the night long,</a:t>
             </a:r>
@@ -3628,10 +3682,12 @@
           <a:p>
             <a:pPr algn="ctr"/>
             <a:r>
-              <a:rPr lang="en-US" sz="3600" dirty="0">
-                <a:solidFill>
-                  <a:schemeClr val="bg1"/>
-                </a:solidFill>
+              <a:rPr lang="en-US" sz="2800" spc="50" dirty="0">
+                <a:solidFill>
+                  <a:schemeClr val="bg1"/>
+                </a:solidFill>
+                <a:latin typeface="Assistant" panose="00000500000000000000" pitchFamily="2" charset="-79"/>
+                <a:cs typeface="Assistant" panose="00000500000000000000" pitchFamily="2" charset="-79"/>
               </a:rPr>
               <a:t>Heralds of morn;</a:t>
             </a:r>
@@ -3639,10 +3695,12 @@
           <a:p>
             <a:pPr algn="ctr"/>
             <a:r>
-              <a:rPr lang="en-US" sz="3600" dirty="0">
-                <a:solidFill>
-                  <a:schemeClr val="bg1"/>
-                </a:solidFill>
+              <a:rPr lang="en-US" sz="2800" spc="50" dirty="0">
+                <a:solidFill>
+                  <a:schemeClr val="bg1"/>
+                </a:solidFill>
+                <a:latin typeface="Assistant" panose="00000500000000000000" pitchFamily="2" charset="-79"/>
+                <a:cs typeface="Assistant" panose="00000500000000000000" pitchFamily="2" charset="-79"/>
               </a:rPr>
               <a:t>Jesus is born.</a:t>
             </a:r>
@@ -3744,8 +3802,8 @@
         </p:nvSpPr>
         <p:spPr>
           <a:xfrm>
-            <a:off x="0" y="5804209"/>
-            <a:ext cx="12192000" cy="830997"/>
+            <a:off x="0" y="5927320"/>
+            <a:ext cx="12192000" cy="584775"/>
           </a:xfrm>
           <a:prstGeom prst="rect">
             <a:avLst/>
@@ -3760,10 +3818,12 @@
           <a:p>
             <a:pPr algn="ctr"/>
             <a:r>
-              <a:rPr lang="en-US" sz="4800" dirty="0">
-                <a:solidFill>
-                  <a:schemeClr val="bg1"/>
-                </a:solidFill>
+              <a:rPr lang="en-US" sz="3200" u="sng" dirty="0">
+                <a:solidFill>
+                  <a:schemeClr val="bg1"/>
+                </a:solidFill>
+                <a:latin typeface="Assistant SemiBold" panose="00000700000000000000" pitchFamily="2" charset="-79"/>
+                <a:cs typeface="Assistant SemiBold" panose="00000700000000000000" pitchFamily="2" charset="-79"/>
               </a:rPr>
               <a:t>“Silvery Star, Precious Star” </a:t>
             </a:r>
@@ -3778,8 +3838,8 @@
         </p:nvSpPr>
         <p:spPr>
           <a:xfrm>
-            <a:off x="0" y="361175"/>
-            <a:ext cx="12192000" cy="5078313"/>
+            <a:off x="0" y="729571"/>
+            <a:ext cx="12192000" cy="3970318"/>
           </a:xfrm>
           <a:prstGeom prst="rect">
             <a:avLst/>
@@ -3794,26 +3854,32 @@
           <a:p>
             <a:pPr algn="ctr"/>
             <a:r>
-              <a:rPr lang="en-US" sz="3600" dirty="0">
-                <a:solidFill>
-                  <a:schemeClr val="bg1"/>
-                </a:solidFill>
+              <a:rPr lang="en-US" sz="2800" spc="50" dirty="0">
+                <a:solidFill>
+                  <a:schemeClr val="bg1"/>
+                </a:solidFill>
+                <a:latin typeface="Assistant" panose="00000500000000000000" pitchFamily="2" charset="-79"/>
+                <a:cs typeface="Assistant" panose="00000500000000000000" pitchFamily="2" charset="-79"/>
               </a:rPr>
               <a:t>Kingly Savior, </a:t>
             </a:r>
             <a:r>
-              <a:rPr lang="en-US" sz="3600" dirty="0" err="1">
-                <a:solidFill>
-                  <a:schemeClr val="bg1"/>
-                </a:solidFill>
+              <a:rPr lang="en-US" sz="2800" spc="50" dirty="0" err="1">
+                <a:solidFill>
+                  <a:schemeClr val="bg1"/>
+                </a:solidFill>
+                <a:latin typeface="Assistant" panose="00000500000000000000" pitchFamily="2" charset="-79"/>
+                <a:cs typeface="Assistant" panose="00000500000000000000" pitchFamily="2" charset="-79"/>
               </a:rPr>
               <a:t>throned</a:t>
             </a:r>
             <a:r>
-              <a:rPr lang="en-US" sz="3600" dirty="0">
-                <a:solidFill>
-                  <a:schemeClr val="bg1"/>
-                </a:solidFill>
+              <a:rPr lang="en-US" sz="2800" spc="50" dirty="0">
+                <a:solidFill>
+                  <a:schemeClr val="bg1"/>
+                </a:solidFill>
+                <a:latin typeface="Assistant" panose="00000500000000000000" pitchFamily="2" charset="-79"/>
+                <a:cs typeface="Assistant" panose="00000500000000000000" pitchFamily="2" charset="-79"/>
               </a:rPr>
               <a:t> tonight</a:t>
             </a:r>
@@ -3821,10 +3887,12 @@
           <a:p>
             <a:pPr algn="ctr"/>
             <a:r>
-              <a:rPr lang="en-US" sz="3600" dirty="0">
-                <a:solidFill>
-                  <a:schemeClr val="bg1"/>
-                </a:solidFill>
+              <a:rPr lang="en-US" sz="2800" spc="50" dirty="0">
+                <a:solidFill>
+                  <a:schemeClr val="bg1"/>
+                </a:solidFill>
+                <a:latin typeface="Assistant" panose="00000500000000000000" pitchFamily="2" charset="-79"/>
+                <a:cs typeface="Assistant" panose="00000500000000000000" pitchFamily="2" charset="-79"/>
               </a:rPr>
               <a:t>In that holy land above,</a:t>
             </a:r>
@@ -3832,10 +3900,12 @@
           <a:p>
             <a:pPr algn="ctr"/>
             <a:r>
-              <a:rPr lang="en-US" sz="3600" dirty="0">
-                <a:solidFill>
-                  <a:schemeClr val="bg1"/>
-                </a:solidFill>
+              <a:rPr lang="en-US" sz="2800" spc="50" dirty="0">
+                <a:solidFill>
+                  <a:schemeClr val="bg1"/>
+                </a:solidFill>
+                <a:latin typeface="Assistant" panose="00000500000000000000" pitchFamily="2" charset="-79"/>
+                <a:cs typeface="Assistant" panose="00000500000000000000" pitchFamily="2" charset="-79"/>
               </a:rPr>
               <a:t>Crowned with glory, clad in light,</a:t>
             </a:r>
@@ -3843,29 +3913,35 @@
           <a:p>
             <a:pPr algn="ctr"/>
             <a:r>
-              <a:rPr lang="en-US" sz="3600" dirty="0">
-                <a:solidFill>
-                  <a:schemeClr val="bg1"/>
-                </a:solidFill>
+              <a:rPr lang="en-US" sz="2800" spc="50" dirty="0">
+                <a:solidFill>
+                  <a:schemeClr val="bg1"/>
+                </a:solidFill>
+                <a:latin typeface="Assistant" panose="00000500000000000000" pitchFamily="2" charset="-79"/>
+                <a:cs typeface="Assistant" panose="00000500000000000000" pitchFamily="2" charset="-79"/>
               </a:rPr>
               <a:t>Sent Thy messengers of love.</a:t>
             </a:r>
           </a:p>
           <a:p>
             <a:pPr algn="ctr"/>
-            <a:endParaRPr lang="en-US" sz="3600" dirty="0">
+            <a:endParaRPr lang="en-US" sz="2800" spc="50" dirty="0">
               <a:solidFill>
                 <a:schemeClr val="bg1"/>
               </a:solidFill>
+              <a:latin typeface="Assistant" panose="00000500000000000000" pitchFamily="2" charset="-79"/>
+              <a:cs typeface="Assistant" panose="00000500000000000000" pitchFamily="2" charset="-79"/>
             </a:endParaRPr>
           </a:p>
           <a:p>
             <a:pPr algn="ctr"/>
             <a:r>
-              <a:rPr lang="en-US" sz="3600" dirty="0">
-                <a:solidFill>
-                  <a:schemeClr val="bg1"/>
-                </a:solidFill>
+              <a:rPr lang="en-US" sz="2800" spc="50" dirty="0">
+                <a:solidFill>
+                  <a:schemeClr val="bg1"/>
+                </a:solidFill>
+                <a:latin typeface="Assistant" panose="00000500000000000000" pitchFamily="2" charset="-79"/>
+                <a:cs typeface="Assistant" panose="00000500000000000000" pitchFamily="2" charset="-79"/>
               </a:rPr>
               <a:t>Starlight and song</a:t>
             </a:r>
@@ -3873,10 +3949,12 @@
           <a:p>
             <a:pPr algn="ctr"/>
             <a:r>
-              <a:rPr lang="en-US" sz="3600" dirty="0">
-                <a:solidFill>
-                  <a:schemeClr val="bg1"/>
-                </a:solidFill>
+              <a:rPr lang="en-US" sz="2800" spc="50" dirty="0">
+                <a:solidFill>
+                  <a:schemeClr val="bg1"/>
+                </a:solidFill>
+                <a:latin typeface="Assistant" panose="00000500000000000000" pitchFamily="2" charset="-79"/>
+                <a:cs typeface="Assistant" panose="00000500000000000000" pitchFamily="2" charset="-79"/>
               </a:rPr>
               <a:t>All the night long,</a:t>
             </a:r>
@@ -3884,10 +3962,12 @@
           <a:p>
             <a:pPr algn="ctr"/>
             <a:r>
-              <a:rPr lang="en-US" sz="3600" dirty="0">
-                <a:solidFill>
-                  <a:schemeClr val="bg1"/>
-                </a:solidFill>
+              <a:rPr lang="en-US" sz="2800" spc="50" dirty="0">
+                <a:solidFill>
+                  <a:schemeClr val="bg1"/>
+                </a:solidFill>
+                <a:latin typeface="Assistant" panose="00000500000000000000" pitchFamily="2" charset="-79"/>
+                <a:cs typeface="Assistant" panose="00000500000000000000" pitchFamily="2" charset="-79"/>
               </a:rPr>
               <a:t>Heralds of morn;</a:t>
             </a:r>
@@ -3895,10 +3975,12 @@
           <a:p>
             <a:pPr algn="ctr"/>
             <a:r>
-              <a:rPr lang="en-US" sz="3600" dirty="0">
-                <a:solidFill>
-                  <a:schemeClr val="bg1"/>
-                </a:solidFill>
+              <a:rPr lang="en-US" sz="2800" spc="50" dirty="0">
+                <a:solidFill>
+                  <a:schemeClr val="bg1"/>
+                </a:solidFill>
+                <a:latin typeface="Assistant" panose="00000500000000000000" pitchFamily="2" charset="-79"/>
+                <a:cs typeface="Assistant" panose="00000500000000000000" pitchFamily="2" charset="-79"/>
               </a:rPr>
               <a:t>Jesus is born.</a:t>
             </a:r>
@@ -4000,8 +4082,8 @@
         </p:nvSpPr>
         <p:spPr>
           <a:xfrm>
-            <a:off x="0" y="5804209"/>
-            <a:ext cx="12192000" cy="830997"/>
+            <a:off x="0" y="5927320"/>
+            <a:ext cx="12192000" cy="584775"/>
           </a:xfrm>
           <a:prstGeom prst="rect">
             <a:avLst/>
@@ -4016,10 +4098,12 @@
           <a:p>
             <a:pPr algn="ctr"/>
             <a:r>
-              <a:rPr lang="en-US" sz="4800" dirty="0">
-                <a:solidFill>
-                  <a:schemeClr val="bg1"/>
-                </a:solidFill>
+              <a:rPr lang="en-US" sz="3200" u="sng" dirty="0">
+                <a:solidFill>
+                  <a:schemeClr val="bg1"/>
+                </a:solidFill>
+                <a:latin typeface="Assistant SemiBold" panose="00000700000000000000" pitchFamily="2" charset="-79"/>
+                <a:cs typeface="Assistant SemiBold" panose="00000700000000000000" pitchFamily="2" charset="-79"/>
               </a:rPr>
               <a:t>“Silvery Star, Precious Star” </a:t>
             </a:r>
@@ -4034,8 +4118,8 @@
         </p:nvSpPr>
         <p:spPr>
           <a:xfrm>
-            <a:off x="0" y="361175"/>
-            <a:ext cx="12192000" cy="5078313"/>
+            <a:off x="0" y="729571"/>
+            <a:ext cx="12192000" cy="3970318"/>
           </a:xfrm>
           <a:prstGeom prst="rect">
             <a:avLst/>
@@ -4050,26 +4134,32 @@
           <a:p>
             <a:pPr algn="ctr"/>
             <a:r>
-              <a:rPr lang="en-US" sz="3600" dirty="0">
-                <a:solidFill>
-                  <a:schemeClr val="bg1"/>
-                </a:solidFill>
+              <a:rPr lang="en-US" sz="2800" spc="50" dirty="0">
+                <a:solidFill>
+                  <a:schemeClr val="bg1"/>
+                </a:solidFill>
+                <a:latin typeface="Assistant" panose="00000500000000000000" pitchFamily="2" charset="-79"/>
+                <a:cs typeface="Assistant" panose="00000500000000000000" pitchFamily="2" charset="-79"/>
               </a:rPr>
               <a:t>Lo, we hear the song </a:t>
             </a:r>
             <a:r>
-              <a:rPr lang="en-US" sz="3600" dirty="0" err="1">
-                <a:solidFill>
-                  <a:schemeClr val="bg1"/>
-                </a:solidFill>
+              <a:rPr lang="en-US" sz="2800" spc="50" dirty="0" err="1">
+                <a:solidFill>
+                  <a:schemeClr val="bg1"/>
+                </a:solidFill>
+                <a:latin typeface="Assistant" panose="00000500000000000000" pitchFamily="2" charset="-79"/>
+                <a:cs typeface="Assistant" panose="00000500000000000000" pitchFamily="2" charset="-79"/>
               </a:rPr>
               <a:t>o’erhead</a:t>
             </a:r>
             <a:r>
-              <a:rPr lang="en-US" sz="3600" dirty="0">
-                <a:solidFill>
-                  <a:schemeClr val="bg1"/>
-                </a:solidFill>
+              <a:rPr lang="en-US" sz="2800" spc="50" dirty="0">
+                <a:solidFill>
+                  <a:schemeClr val="bg1"/>
+                </a:solidFill>
+                <a:latin typeface="Assistant" panose="00000500000000000000" pitchFamily="2" charset="-79"/>
+                <a:cs typeface="Assistant" panose="00000500000000000000" pitchFamily="2" charset="-79"/>
               </a:rPr>
               <a:t>!</a:t>
             </a:r>
@@ -4077,10 +4167,12 @@
           <a:p>
             <a:pPr algn="ctr"/>
             <a:r>
-              <a:rPr lang="en-US" sz="3600" dirty="0">
-                <a:solidFill>
-                  <a:schemeClr val="bg1"/>
-                </a:solidFill>
+              <a:rPr lang="en-US" sz="2800" spc="50" dirty="0">
+                <a:solidFill>
+                  <a:schemeClr val="bg1"/>
+                </a:solidFill>
+                <a:latin typeface="Assistant" panose="00000500000000000000" pitchFamily="2" charset="-79"/>
+                <a:cs typeface="Assistant" panose="00000500000000000000" pitchFamily="2" charset="-79"/>
               </a:rPr>
               <a:t>Lo, we see the star arise!</a:t>
             </a:r>
@@ -4088,10 +4180,12 @@
           <a:p>
             <a:pPr algn="ctr"/>
             <a:r>
-              <a:rPr lang="en-US" sz="3600" dirty="0">
-                <a:solidFill>
-                  <a:schemeClr val="bg1"/>
-                </a:solidFill>
+              <a:rPr lang="en-US" sz="2800" spc="50" dirty="0">
+                <a:solidFill>
+                  <a:schemeClr val="bg1"/>
+                </a:solidFill>
+                <a:latin typeface="Assistant" panose="00000500000000000000" pitchFamily="2" charset="-79"/>
+                <a:cs typeface="Assistant" panose="00000500000000000000" pitchFamily="2" charset="-79"/>
               </a:rPr>
               <a:t>Like the wise men we are led</a:t>
             </a:r>
@@ -4099,29 +4193,35 @@
           <a:p>
             <a:pPr algn="ctr"/>
             <a:r>
-              <a:rPr lang="en-US" sz="3600" dirty="0">
-                <a:solidFill>
-                  <a:schemeClr val="bg1"/>
-                </a:solidFill>
+              <a:rPr lang="en-US" sz="2800" spc="50" dirty="0">
+                <a:solidFill>
+                  <a:schemeClr val="bg1"/>
+                </a:solidFill>
+                <a:latin typeface="Assistant" panose="00000500000000000000" pitchFamily="2" charset="-79"/>
+                <a:cs typeface="Assistant" panose="00000500000000000000" pitchFamily="2" charset="-79"/>
               </a:rPr>
               <a:t>In the still night unto Christ.</a:t>
             </a:r>
           </a:p>
           <a:p>
             <a:pPr algn="ctr"/>
-            <a:endParaRPr lang="en-US" sz="3600" dirty="0">
+            <a:endParaRPr lang="en-US" sz="2800" spc="50" dirty="0">
               <a:solidFill>
                 <a:schemeClr val="bg1"/>
               </a:solidFill>
+              <a:latin typeface="Assistant" panose="00000500000000000000" pitchFamily="2" charset="-79"/>
+              <a:cs typeface="Assistant" panose="00000500000000000000" pitchFamily="2" charset="-79"/>
             </a:endParaRPr>
           </a:p>
           <a:p>
             <a:pPr algn="ctr"/>
             <a:r>
-              <a:rPr lang="en-US" sz="3600" dirty="0">
-                <a:solidFill>
-                  <a:schemeClr val="bg1"/>
-                </a:solidFill>
+              <a:rPr lang="en-US" sz="2800" spc="50" dirty="0">
+                <a:solidFill>
+                  <a:schemeClr val="bg1"/>
+                </a:solidFill>
+                <a:latin typeface="Assistant" panose="00000500000000000000" pitchFamily="2" charset="-79"/>
+                <a:cs typeface="Assistant" panose="00000500000000000000" pitchFamily="2" charset="-79"/>
               </a:rPr>
               <a:t>Starlight and song</a:t>
             </a:r>
@@ -4129,10 +4229,12 @@
           <a:p>
             <a:pPr algn="ctr"/>
             <a:r>
-              <a:rPr lang="en-US" sz="3600" dirty="0">
-                <a:solidFill>
-                  <a:schemeClr val="bg1"/>
-                </a:solidFill>
+              <a:rPr lang="en-US" sz="2800" spc="50" dirty="0">
+                <a:solidFill>
+                  <a:schemeClr val="bg1"/>
+                </a:solidFill>
+                <a:latin typeface="Assistant" panose="00000500000000000000" pitchFamily="2" charset="-79"/>
+                <a:cs typeface="Assistant" panose="00000500000000000000" pitchFamily="2" charset="-79"/>
               </a:rPr>
               <a:t>All the night long,</a:t>
             </a:r>
@@ -4140,10 +4242,12 @@
           <a:p>
             <a:pPr algn="ctr"/>
             <a:r>
-              <a:rPr lang="en-US" sz="3600" dirty="0">
-                <a:solidFill>
-                  <a:schemeClr val="bg1"/>
-                </a:solidFill>
+              <a:rPr lang="en-US" sz="2800" spc="50" dirty="0">
+                <a:solidFill>
+                  <a:schemeClr val="bg1"/>
+                </a:solidFill>
+                <a:latin typeface="Assistant" panose="00000500000000000000" pitchFamily="2" charset="-79"/>
+                <a:cs typeface="Assistant" panose="00000500000000000000" pitchFamily="2" charset="-79"/>
               </a:rPr>
               <a:t>Heralds of morn;</a:t>
             </a:r>
@@ -4151,10 +4255,12 @@
           <a:p>
             <a:pPr algn="ctr"/>
             <a:r>
-              <a:rPr lang="en-US" sz="3600" dirty="0">
-                <a:solidFill>
-                  <a:schemeClr val="bg1"/>
-                </a:solidFill>
+              <a:rPr lang="en-US" sz="2800" spc="50" dirty="0">
+                <a:solidFill>
+                  <a:schemeClr val="bg1"/>
+                </a:solidFill>
+                <a:latin typeface="Assistant" panose="00000500000000000000" pitchFamily="2" charset="-79"/>
+                <a:cs typeface="Assistant" panose="00000500000000000000" pitchFamily="2" charset="-79"/>
               </a:rPr>
               <a:t>Jesus is born.</a:t>
             </a:r>
